--- a/Other/Free/Demo - Huypn.pptx
+++ b/Other/Free/Demo - Huypn.pptx
@@ -254,7 +254,7 @@
   </p:defaultTextStyle>
   <p:extLst>
     <p:ext uri="{EFAFB233-063F-42B5-8137-9DF3F51BA10A}">
-      <p15:sldGuideLst xmlns="" xmlns:mc="http://schemas.openxmlformats.org/markup-compatibility/2006" xmlns:mv="urn:schemas-microsoft-com:mac:vml" xmlns:c="http://schemas.openxmlformats.org/drawingml/2006/chart" xmlns:dgm="http://schemas.openxmlformats.org/drawingml/2006/diagram" xmlns:o="urn:schemas-microsoft-com:office:office" xmlns:v="urn:schemas-microsoft-com:vml" xmlns:pvml="urn:schemas-microsoft-com:office:powerpoint" xmlns:com="http://schemas.openxmlformats.org/drawingml/2006/compatibility" xmlns:p14="http://schemas.microsoft.com/office/powerpoint/2010/main" xmlns:p15="http://schemas.microsoft.com/office/powerpoint/2012/main">
+      <p15:sldGuideLst xmlns:p15="http://schemas.microsoft.com/office/powerpoint/2012/main" xmlns:p14="http://schemas.microsoft.com/office/powerpoint/2010/main" xmlns:com="http://schemas.openxmlformats.org/drawingml/2006/compatibility" xmlns:pvml="urn:schemas-microsoft-com:office:powerpoint" xmlns:v="urn:schemas-microsoft-com:vml" xmlns:o="urn:schemas-microsoft-com:office:office" xmlns:dgm="http://schemas.openxmlformats.org/drawingml/2006/diagram" xmlns:c="http://schemas.openxmlformats.org/drawingml/2006/chart" xmlns:mv="urn:schemas-microsoft-com:mac:vml" xmlns:mc="http://schemas.openxmlformats.org/markup-compatibility/2006" xmlns="">
         <p15:guide id="1" orient="horz" pos="2160">
           <p15:clr>
             <a:srgbClr val="000000"/>
@@ -15726,6 +15726,9 @@
           <a:bodyPr/>
           <a:lstStyle/>
           <a:p>
+            <a:pPr marL="25400" indent="0">
+              <a:buNone/>
+            </a:pPr>
             <a:r>
               <a:rPr lang="en-US" dirty="0" smtClean="0"/>
               <a:t>Hello World </a:t>
@@ -16384,7 +16387,19 @@
                 <a:cs typeface="Calibri"/>
                 <a:sym typeface="Calibri"/>
               </a:rPr>
-              <a:t>NTT Data </a:t>
+              <a:t>NTT Data - </a:t>
+            </a:r>
+            <a:r>
+              <a:rPr lang="en-US" sz="3200" b="0" i="0" u="none" strike="noStrike" cap="none" dirty="0" err="1" smtClean="0">
+                <a:solidFill>
+                  <a:schemeClr val="dk1"/>
+                </a:solidFill>
+                <a:latin typeface="Calibri"/>
+                <a:ea typeface="Calibri"/>
+                <a:cs typeface="Calibri"/>
+                <a:sym typeface="Calibri"/>
+              </a:rPr>
+              <a:t>tập</a:t>
             </a:r>
             <a:r>
               <a:rPr lang="en-US" sz="3200" b="0" i="0" u="none" strike="noStrike" cap="none" dirty="0" smtClean="0">
@@ -16396,7 +16411,7 @@
                 <a:cs typeface="Calibri"/>
                 <a:sym typeface="Calibri"/>
               </a:rPr>
-              <a:t>- </a:t>
+              <a:t> </a:t>
             </a:r>
             <a:r>
               <a:rPr lang="en-US" sz="3200" b="0" i="0" u="none" strike="noStrike" cap="none" dirty="0" err="1" smtClean="0">
@@ -16408,7 +16423,7 @@
                 <a:cs typeface="Calibri"/>
                 <a:sym typeface="Calibri"/>
               </a:rPr>
-              <a:t>tập</a:t>
+              <a:t>đoàn</a:t>
             </a:r>
             <a:r>
               <a:rPr lang="en-US" sz="3200" b="0" i="0" u="none" strike="noStrike" cap="none" dirty="0" smtClean="0">
@@ -16420,6 +16435,30 @@
                 <a:cs typeface="Calibri"/>
                 <a:sym typeface="Calibri"/>
               </a:rPr>
+              <a:t> CNTT </a:t>
+            </a:r>
+            <a:r>
+              <a:rPr lang="en-US" sz="3200" b="0" i="0" u="none" strike="noStrike" cap="none" dirty="0" err="1" smtClean="0">
+                <a:solidFill>
+                  <a:schemeClr val="dk1"/>
+                </a:solidFill>
+                <a:latin typeface="Calibri"/>
+                <a:ea typeface="Calibri"/>
+                <a:cs typeface="Calibri"/>
+                <a:sym typeface="Calibri"/>
+              </a:rPr>
+              <a:t>lớn</a:t>
+            </a:r>
+            <a:r>
+              <a:rPr lang="en-US" sz="3200" b="0" i="0" u="none" strike="noStrike" cap="none" dirty="0" smtClean="0">
+                <a:solidFill>
+                  <a:schemeClr val="dk1"/>
+                </a:solidFill>
+                <a:latin typeface="Calibri"/>
+                <a:ea typeface="Calibri"/>
+                <a:cs typeface="Calibri"/>
+                <a:sym typeface="Calibri"/>
+              </a:rPr>
               <a:t> </a:t>
             </a:r>
             <a:r>
@@ -16432,7 +16471,7 @@
                 <a:cs typeface="Calibri"/>
                 <a:sym typeface="Calibri"/>
               </a:rPr>
-              <a:t>đoàn</a:t>
+              <a:t>nhất</a:t>
             </a:r>
             <a:r>
               <a:rPr lang="en-US" sz="3200" b="0" i="0" u="none" strike="noStrike" cap="none" dirty="0" smtClean="0">
@@ -16447,6 +16486,18 @@
               <a:t> </a:t>
             </a:r>
             <a:r>
+              <a:rPr lang="en-US" sz="3200" b="0" i="0" u="none" strike="noStrike" cap="none" dirty="0" err="1" smtClean="0">
+                <a:solidFill>
+                  <a:schemeClr val="dk1"/>
+                </a:solidFill>
+                <a:latin typeface="Calibri"/>
+                <a:ea typeface="Calibri"/>
+                <a:cs typeface="Calibri"/>
+                <a:sym typeface="Calibri"/>
+              </a:rPr>
+              <a:t>tại</a:t>
+            </a:r>
+            <a:r>
               <a:rPr lang="en-US" sz="3200" b="0" i="0" u="none" strike="noStrike" cap="none" dirty="0" smtClean="0">
                 <a:solidFill>
                   <a:schemeClr val="dk1"/>
@@ -16456,91 +16507,7 @@
                 <a:cs typeface="Calibri"/>
                 <a:sym typeface="Calibri"/>
               </a:rPr>
-              <a:t>CNTT </a:t>
-            </a:r>
-            <a:r>
-              <a:rPr lang="en-US" sz="3200" b="0" i="0" u="none" strike="noStrike" cap="none" dirty="0" err="1" smtClean="0">
-                <a:solidFill>
-                  <a:schemeClr val="dk1"/>
-                </a:solidFill>
-                <a:latin typeface="Calibri"/>
-                <a:ea typeface="Calibri"/>
-                <a:cs typeface="Calibri"/>
-                <a:sym typeface="Calibri"/>
-              </a:rPr>
-              <a:t>lớn</a:t>
-            </a:r>
-            <a:r>
-              <a:rPr lang="en-US" sz="3200" b="0" i="0" u="none" strike="noStrike" cap="none" dirty="0" smtClean="0">
-                <a:solidFill>
-                  <a:schemeClr val="dk1"/>
-                </a:solidFill>
-                <a:latin typeface="Calibri"/>
-                <a:ea typeface="Calibri"/>
-                <a:cs typeface="Calibri"/>
-                <a:sym typeface="Calibri"/>
-              </a:rPr>
-              <a:t> </a:t>
-            </a:r>
-            <a:r>
-              <a:rPr lang="en-US" sz="3200" b="0" i="0" u="none" strike="noStrike" cap="none" dirty="0" err="1" smtClean="0">
-                <a:solidFill>
-                  <a:schemeClr val="dk1"/>
-                </a:solidFill>
-                <a:latin typeface="Calibri"/>
-                <a:ea typeface="Calibri"/>
-                <a:cs typeface="Calibri"/>
-                <a:sym typeface="Calibri"/>
-              </a:rPr>
-              <a:t>nhất</a:t>
-            </a:r>
-            <a:r>
-              <a:rPr lang="en-US" sz="3200" b="0" i="0" u="none" strike="noStrike" cap="none" dirty="0" smtClean="0">
-                <a:solidFill>
-                  <a:schemeClr val="dk1"/>
-                </a:solidFill>
-                <a:latin typeface="Calibri"/>
-                <a:ea typeface="Calibri"/>
-                <a:cs typeface="Calibri"/>
-                <a:sym typeface="Calibri"/>
-              </a:rPr>
-              <a:t> </a:t>
-            </a:r>
-            <a:r>
-              <a:rPr lang="en-US" sz="3200" b="0" i="0" u="none" strike="noStrike" cap="none" dirty="0" err="1" smtClean="0">
-                <a:solidFill>
-                  <a:schemeClr val="dk1"/>
-                </a:solidFill>
-                <a:latin typeface="Calibri"/>
-                <a:ea typeface="Calibri"/>
-                <a:cs typeface="Calibri"/>
-                <a:sym typeface="Calibri"/>
-              </a:rPr>
-              <a:t>tại</a:t>
-            </a:r>
-            <a:r>
-              <a:rPr lang="en-US" sz="3200" b="0" i="0" u="none" strike="noStrike" cap="none" dirty="0" smtClean="0">
-                <a:solidFill>
-                  <a:schemeClr val="dk1"/>
-                </a:solidFill>
-                <a:latin typeface="Calibri"/>
-                <a:ea typeface="Calibri"/>
-                <a:cs typeface="Calibri"/>
-                <a:sym typeface="Calibri"/>
-              </a:rPr>
-              <a:t> </a:t>
-            </a:r>
-            <a:r>
-              <a:rPr lang="en-US" sz="3200" b="0" i="0" u="none" strike="noStrike" cap="none" dirty="0" smtClean="0">
-                <a:solidFill>
-                  <a:schemeClr val="dk1"/>
-                </a:solidFill>
-                <a:latin typeface="Calibri"/>
-                <a:ea typeface="Calibri"/>
-                <a:cs typeface="Calibri"/>
-                <a:sym typeface="Calibri"/>
-              </a:rPr>
-              <a:t>Japan</a:t>
+              <a:t> Japan</a:t>
             </a:r>
             <a:endParaRPr dirty="0"/>
           </a:p>

--- a/Other/Free/Demo - Huypn.pptx
+++ b/Other/Free/Demo - Huypn.pptx
@@ -254,7 +254,7 @@
   </p:defaultTextStyle>
   <p:extLst>
     <p:ext uri="{EFAFB233-063F-42B5-8137-9DF3F51BA10A}">
-      <p15:sldGuideLst xmlns:p15="http://schemas.microsoft.com/office/powerpoint/2012/main" xmlns:p14="http://schemas.microsoft.com/office/powerpoint/2010/main" xmlns:com="http://schemas.openxmlformats.org/drawingml/2006/compatibility" xmlns:pvml="urn:schemas-microsoft-com:office:powerpoint" xmlns:v="urn:schemas-microsoft-com:vml" xmlns:o="urn:schemas-microsoft-com:office:office" xmlns:dgm="http://schemas.openxmlformats.org/drawingml/2006/diagram" xmlns:c="http://schemas.openxmlformats.org/drawingml/2006/chart" xmlns:mv="urn:schemas-microsoft-com:mac:vml" xmlns:mc="http://schemas.openxmlformats.org/markup-compatibility/2006" xmlns="">
+      <p15:sldGuideLst xmlns="" xmlns:mc="http://schemas.openxmlformats.org/markup-compatibility/2006" xmlns:mv="urn:schemas-microsoft-com:mac:vml" xmlns:c="http://schemas.openxmlformats.org/drawingml/2006/chart" xmlns:dgm="http://schemas.openxmlformats.org/drawingml/2006/diagram" xmlns:o="urn:schemas-microsoft-com:office:office" xmlns:v="urn:schemas-microsoft-com:vml" xmlns:pvml="urn:schemas-microsoft-com:office:powerpoint" xmlns:com="http://schemas.openxmlformats.org/drawingml/2006/compatibility" xmlns:p14="http://schemas.microsoft.com/office/powerpoint/2010/main" xmlns:p15="http://schemas.microsoft.com/office/powerpoint/2012/main">
         <p15:guide id="1" orient="horz" pos="2160">
           <p15:clr>
             <a:srgbClr val="000000"/>
@@ -15721,12 +15721,17 @@
             <p:ph type="body" idx="1"/>
           </p:nvPr>
         </p:nvSpPr>
-        <p:spPr/>
+        <p:spPr>
+          <a:xfrm>
+            <a:off x="428625" y="1419226"/>
+            <a:ext cx="8229600" cy="933450"/>
+          </a:xfrm>
+        </p:spPr>
         <p:txBody>
           <a:bodyPr/>
           <a:lstStyle/>
           <a:p>
-            <a:pPr marL="25400" indent="0">
+            <a:pPr marL="25400" indent="0" algn="ctr">
               <a:buNone/>
             </a:pPr>
             <a:r>
@@ -15761,6 +15766,179 @@
           </a:p>
         </p:txBody>
       </p:sp>
+      <p:pic>
+        <p:nvPicPr>
+          <p:cNvPr id="1028" name="Picture 4" descr="Image result for hello java console"/>
+          <p:cNvPicPr>
+            <a:picLocks noChangeAspect="1" noChangeArrowheads="1"/>
+          </p:cNvPicPr>
+          <p:nvPr/>
+        </p:nvPicPr>
+        <p:blipFill>
+          <a:blip r:embed="rId2">
+            <a:extLst>
+              <a:ext uri="{28A0092B-C50C-407E-A947-70E740481C1C}">
+                <a14:useLocalDpi xmlns:a14="http://schemas.microsoft.com/office/drawing/2010/main" val="0"/>
+              </a:ext>
+            </a:extLst>
+          </a:blip>
+          <a:srcRect/>
+          <a:stretch>
+            <a:fillRect/>
+          </a:stretch>
+        </p:blipFill>
+        <p:spPr bwMode="auto">
+          <a:xfrm>
+            <a:off x="4437380" y="2622079"/>
+            <a:ext cx="4468495" cy="2549996"/>
+          </a:xfrm>
+          <a:prstGeom prst="rect">
+            <a:avLst/>
+          </a:prstGeom>
+          <a:noFill/>
+          <a:extLst>
+            <a:ext uri="{909E8E84-426E-40DD-AFC4-6F175D3DCCD1}">
+              <a14:hiddenFill xmlns:a14="http://schemas.microsoft.com/office/drawing/2010/main">
+                <a:solidFill>
+                  <a:srgbClr val="FFFFFF"/>
+                </a:solidFill>
+              </a14:hiddenFill>
+            </a:ext>
+          </a:extLst>
+        </p:spPr>
+      </p:pic>
+      <p:sp>
+        <p:nvSpPr>
+          <p:cNvPr id="5" name="TextBox 4"/>
+          <p:cNvSpPr txBox="1"/>
+          <p:nvPr/>
+        </p:nvSpPr>
+        <p:spPr>
+          <a:xfrm>
+            <a:off x="5876923" y="5445615"/>
+            <a:ext cx="1720343" cy="307777"/>
+          </a:xfrm>
+          <a:prstGeom prst="rect">
+            <a:avLst/>
+          </a:prstGeom>
+        </p:spPr>
+        <p:style>
+          <a:lnRef idx="2">
+            <a:schemeClr val="accent3"/>
+          </a:lnRef>
+          <a:fillRef idx="1">
+            <a:schemeClr val="lt1"/>
+          </a:fillRef>
+          <a:effectRef idx="0">
+            <a:schemeClr val="accent3"/>
+          </a:effectRef>
+          <a:fontRef idx="minor">
+            <a:schemeClr val="dk1"/>
+          </a:fontRef>
+        </p:style>
+        <p:txBody>
+          <a:bodyPr wrap="none" rtlCol="0">
+            <a:spAutoFit/>
+          </a:bodyPr>
+          <a:lstStyle/>
+          <a:p>
+            <a:r>
+              <a:rPr lang="en-US" dirty="0" smtClean="0"/>
+              <a:t>Hello World - JAVA</a:t>
+            </a:r>
+            <a:endParaRPr lang="en-GB" dirty="0"/>
+          </a:p>
+        </p:txBody>
+      </p:sp>
+      <p:sp>
+        <p:nvSpPr>
+          <p:cNvPr id="6" name="TextBox 5"/>
+          <p:cNvSpPr txBox="1"/>
+          <p:nvPr/>
+        </p:nvSpPr>
+        <p:spPr>
+          <a:xfrm>
+            <a:off x="956304" y="5576289"/>
+            <a:ext cx="2276585" cy="307777"/>
+          </a:xfrm>
+          <a:prstGeom prst="rect">
+            <a:avLst/>
+          </a:prstGeom>
+        </p:spPr>
+        <p:style>
+          <a:lnRef idx="2">
+            <a:schemeClr val="accent3"/>
+          </a:lnRef>
+          <a:fillRef idx="1">
+            <a:schemeClr val="lt1"/>
+          </a:fillRef>
+          <a:effectRef idx="0">
+            <a:schemeClr val="accent3"/>
+          </a:effectRef>
+          <a:fontRef idx="minor">
+            <a:schemeClr val="dk1"/>
+          </a:fontRef>
+        </p:style>
+        <p:txBody>
+          <a:bodyPr wrap="none" rtlCol="0">
+            <a:spAutoFit/>
+          </a:bodyPr>
+          <a:lstStyle/>
+          <a:p>
+            <a:r>
+              <a:rPr lang="en-US" dirty="0" smtClean="0"/>
+              <a:t>Hello World  - HTML CSS </a:t>
+            </a:r>
+            <a:endParaRPr lang="en-GB" dirty="0"/>
+          </a:p>
+        </p:txBody>
+      </p:sp>
+      <p:pic>
+        <p:nvPicPr>
+          <p:cNvPr id="1029" name="Picture 5"/>
+          <p:cNvPicPr>
+            <a:picLocks noChangeAspect="1" noChangeArrowheads="1"/>
+          </p:cNvPicPr>
+          <p:nvPr/>
+        </p:nvPicPr>
+        <p:blipFill>
+          <a:blip r:embed="rId3">
+            <a:extLst>
+              <a:ext uri="{28A0092B-C50C-407E-A947-70E740481C1C}">
+                <a14:useLocalDpi xmlns:a14="http://schemas.microsoft.com/office/drawing/2010/main" val="0"/>
+              </a:ext>
+            </a:extLst>
+          </a:blip>
+          <a:srcRect/>
+          <a:stretch>
+            <a:fillRect/>
+          </a:stretch>
+        </p:blipFill>
+        <p:spPr bwMode="auto">
+          <a:xfrm>
+            <a:off x="502115" y="2622079"/>
+            <a:ext cx="3373656" cy="2562209"/>
+          </a:xfrm>
+          <a:prstGeom prst="rect">
+            <a:avLst/>
+          </a:prstGeom>
+          <a:ln/>
+        </p:spPr>
+        <p:style>
+          <a:lnRef idx="2">
+            <a:schemeClr val="accent3"/>
+          </a:lnRef>
+          <a:fillRef idx="1">
+            <a:schemeClr val="lt1"/>
+          </a:fillRef>
+          <a:effectRef idx="0">
+            <a:schemeClr val="accent3"/>
+          </a:effectRef>
+          <a:fontRef idx="minor">
+            <a:schemeClr val="dk1"/>
+          </a:fontRef>
+        </p:style>
+      </p:pic>
     </p:spTree>
     <p:extLst>
       <p:ext uri="{BB962C8B-B14F-4D97-AF65-F5344CB8AC3E}">
@@ -15835,7 +16013,7 @@
               <a:buNone/>
             </a:pPr>
             <a:r>
-              <a:rPr lang="en-US" sz="4400" b="0" i="0" u="none" strike="noStrike" cap="none">
+              <a:rPr lang="en-US" sz="4400" b="0" i="0" u="none" strike="noStrike" cap="none" dirty="0">
                 <a:solidFill>
                   <a:schemeClr val="dk1"/>
                 </a:solidFill>
@@ -15846,7 +16024,7 @@
               </a:rPr>
               <a:t>Profile</a:t>
             </a:r>
-            <a:endParaRPr sz="4400" b="0" i="0" u="none" strike="noStrike" cap="none">
+            <a:endParaRPr sz="4400" b="0" i="0" u="none" strike="noStrike" cap="none" dirty="0">
               <a:solidFill>
                 <a:schemeClr val="dk1"/>
               </a:solidFill>
